--- a/1. 기능정리/Project6 기능정리 - 형준.pptx
+++ b/1. 기능정리/Project6 기능정리 - 형준.pptx
@@ -107,6 +107,22 @@
       </a:defRPr>
     </a:lvl9pPr>
   </p:defaultTextStyle>
+  <p:extLst>
+    <p:ext uri="{EFAFB233-063F-42B5-8137-9DF3F51BA10A}">
+      <p15:sldGuideLst xmlns:p15="http://schemas.microsoft.com/office/powerpoint/2012/main">
+        <p15:guide id="1" orient="horz" pos="2160">
+          <p15:clr>
+            <a:srgbClr val="A4A3A4"/>
+          </p15:clr>
+        </p15:guide>
+        <p15:guide id="2" pos="2880">
+          <p15:clr>
+            <a:srgbClr val="A4A3A4"/>
+          </p15:clr>
+        </p15:guide>
+      </p15:sldGuideLst>
+    </p:ext>
+  </p:extLst>
 </p:presentation>
 </file>
 
@@ -148,10 +164,9 @@
           <a:lstStyle/>
           <a:p>
             <a:r>
-              <a:rPr lang="ko-KR" altLang="en-US" smtClean="0"/>
+              <a:rPr lang="ko-KR" altLang="en-US"/>
               <a:t>마스터 제목 스타일 편집</a:t>
             </a:r>
-            <a:endParaRPr lang="ko-KR" altLang="en-US"/>
           </a:p>
         </p:txBody>
       </p:sp>
@@ -267,10 +282,9 @@
           </a:lstStyle>
           <a:p>
             <a:r>
-              <a:rPr lang="ko-KR" altLang="en-US" smtClean="0"/>
+              <a:rPr lang="ko-KR" altLang="en-US"/>
               <a:t>마스터 부제목 스타일 편집</a:t>
             </a:r>
-            <a:endParaRPr lang="ko-KR" altLang="en-US"/>
           </a:p>
         </p:txBody>
       </p:sp>
@@ -380,10 +394,9 @@
           <a:lstStyle/>
           <a:p>
             <a:r>
-              <a:rPr lang="ko-KR" altLang="en-US" smtClean="0"/>
+              <a:rPr lang="ko-KR" altLang="en-US"/>
               <a:t>마스터 제목 스타일 편집</a:t>
             </a:r>
-            <a:endParaRPr lang="ko-KR" altLang="en-US"/>
           </a:p>
         </p:txBody>
       </p:sp>
@@ -404,38 +417,37 @@
           <a:p>
             <a:pPr lvl="0"/>
             <a:r>
-              <a:rPr lang="ko-KR" altLang="en-US" smtClean="0"/>
+              <a:rPr lang="ko-KR" altLang="en-US"/>
               <a:t>마스터 텍스트 스타일을 편집합니다</a:t>
             </a:r>
           </a:p>
           <a:p>
             <a:pPr lvl="1"/>
             <a:r>
-              <a:rPr lang="ko-KR" altLang="en-US" smtClean="0"/>
+              <a:rPr lang="ko-KR" altLang="en-US"/>
               <a:t>둘째 수준</a:t>
             </a:r>
           </a:p>
           <a:p>
             <a:pPr lvl="2"/>
             <a:r>
-              <a:rPr lang="ko-KR" altLang="en-US" smtClean="0"/>
+              <a:rPr lang="ko-KR" altLang="en-US"/>
               <a:t>셋째 수준</a:t>
             </a:r>
           </a:p>
           <a:p>
             <a:pPr lvl="3"/>
             <a:r>
-              <a:rPr lang="ko-KR" altLang="en-US" smtClean="0"/>
+              <a:rPr lang="ko-KR" altLang="en-US"/>
               <a:t>넷째 수준</a:t>
             </a:r>
           </a:p>
           <a:p>
             <a:pPr lvl="4"/>
             <a:r>
-              <a:rPr lang="ko-KR" altLang="en-US" smtClean="0"/>
+              <a:rPr lang="ko-KR" altLang="en-US"/>
               <a:t>다섯째 수준</a:t>
             </a:r>
-            <a:endParaRPr lang="ko-KR" altLang="en-US"/>
           </a:p>
         </p:txBody>
       </p:sp>
@@ -550,10 +562,9 @@
           <a:lstStyle/>
           <a:p>
             <a:r>
-              <a:rPr lang="ko-KR" altLang="en-US" smtClean="0"/>
+              <a:rPr lang="ko-KR" altLang="en-US"/>
               <a:t>마스터 제목 스타일 편집</a:t>
             </a:r>
-            <a:endParaRPr lang="ko-KR" altLang="en-US"/>
           </a:p>
         </p:txBody>
       </p:sp>
@@ -579,38 +590,37 @@
           <a:p>
             <a:pPr lvl="0"/>
             <a:r>
-              <a:rPr lang="ko-KR" altLang="en-US" smtClean="0"/>
+              <a:rPr lang="ko-KR" altLang="en-US"/>
               <a:t>마스터 텍스트 스타일을 편집합니다</a:t>
             </a:r>
           </a:p>
           <a:p>
             <a:pPr lvl="1"/>
             <a:r>
-              <a:rPr lang="ko-KR" altLang="en-US" smtClean="0"/>
+              <a:rPr lang="ko-KR" altLang="en-US"/>
               <a:t>둘째 수준</a:t>
             </a:r>
           </a:p>
           <a:p>
             <a:pPr lvl="2"/>
             <a:r>
-              <a:rPr lang="ko-KR" altLang="en-US" smtClean="0"/>
+              <a:rPr lang="ko-KR" altLang="en-US"/>
               <a:t>셋째 수준</a:t>
             </a:r>
           </a:p>
           <a:p>
             <a:pPr lvl="3"/>
             <a:r>
-              <a:rPr lang="ko-KR" altLang="en-US" smtClean="0"/>
+              <a:rPr lang="ko-KR" altLang="en-US"/>
               <a:t>넷째 수준</a:t>
             </a:r>
           </a:p>
           <a:p>
             <a:pPr lvl="4"/>
             <a:r>
-              <a:rPr lang="ko-KR" altLang="en-US" smtClean="0"/>
+              <a:rPr lang="ko-KR" altLang="en-US"/>
               <a:t>다섯째 수준</a:t>
             </a:r>
-            <a:endParaRPr lang="ko-KR" altLang="en-US"/>
           </a:p>
         </p:txBody>
       </p:sp>
@@ -720,10 +730,9 @@
           <a:lstStyle/>
           <a:p>
             <a:r>
-              <a:rPr lang="ko-KR" altLang="en-US" smtClean="0"/>
+              <a:rPr lang="ko-KR" altLang="en-US"/>
               <a:t>마스터 제목 스타일 편집</a:t>
             </a:r>
-            <a:endParaRPr lang="ko-KR" altLang="en-US"/>
           </a:p>
         </p:txBody>
       </p:sp>
@@ -744,38 +753,37 @@
           <a:p>
             <a:pPr lvl="0"/>
             <a:r>
-              <a:rPr lang="ko-KR" altLang="en-US" smtClean="0"/>
+              <a:rPr lang="ko-KR" altLang="en-US"/>
               <a:t>마스터 텍스트 스타일을 편집합니다</a:t>
             </a:r>
           </a:p>
           <a:p>
             <a:pPr lvl="1"/>
             <a:r>
-              <a:rPr lang="ko-KR" altLang="en-US" smtClean="0"/>
+              <a:rPr lang="ko-KR" altLang="en-US"/>
               <a:t>둘째 수준</a:t>
             </a:r>
           </a:p>
           <a:p>
             <a:pPr lvl="2"/>
             <a:r>
-              <a:rPr lang="ko-KR" altLang="en-US" smtClean="0"/>
+              <a:rPr lang="ko-KR" altLang="en-US"/>
               <a:t>셋째 수준</a:t>
             </a:r>
           </a:p>
           <a:p>
             <a:pPr lvl="3"/>
             <a:r>
-              <a:rPr lang="ko-KR" altLang="en-US" smtClean="0"/>
+              <a:rPr lang="ko-KR" altLang="en-US"/>
               <a:t>넷째 수준</a:t>
             </a:r>
           </a:p>
           <a:p>
             <a:pPr lvl="4"/>
             <a:r>
-              <a:rPr lang="ko-KR" altLang="en-US" smtClean="0"/>
+              <a:rPr lang="ko-KR" altLang="en-US"/>
               <a:t>다섯째 수준</a:t>
             </a:r>
-            <a:endParaRPr lang="ko-KR" altLang="en-US"/>
           </a:p>
         </p:txBody>
       </p:sp>
@@ -894,10 +902,9 @@
           </a:lstStyle>
           <a:p>
             <a:r>
-              <a:rPr lang="ko-KR" altLang="en-US" smtClean="0"/>
+              <a:rPr lang="ko-KR" altLang="en-US"/>
               <a:t>마스터 제목 스타일 편집</a:t>
             </a:r>
-            <a:endParaRPr lang="ko-KR" altLang="en-US"/>
           </a:p>
         </p:txBody>
       </p:sp>
@@ -1014,7 +1021,7 @@
           <a:p>
             <a:pPr lvl="0"/>
             <a:r>
-              <a:rPr lang="ko-KR" altLang="en-US" smtClean="0"/>
+              <a:rPr lang="ko-KR" altLang="en-US"/>
               <a:t>마스터 텍스트 스타일을 편집합니다</a:t>
             </a:r>
           </a:p>
@@ -1126,10 +1133,9 @@
           <a:lstStyle/>
           <a:p>
             <a:r>
-              <a:rPr lang="ko-KR" altLang="en-US" smtClean="0"/>
+              <a:rPr lang="ko-KR" altLang="en-US"/>
               <a:t>마스터 제목 스타일 편집</a:t>
             </a:r>
-            <a:endParaRPr lang="ko-KR" altLang="en-US"/>
           </a:p>
         </p:txBody>
       </p:sp>
@@ -1183,38 +1189,37 @@
           <a:p>
             <a:pPr lvl="0"/>
             <a:r>
-              <a:rPr lang="ko-KR" altLang="en-US" smtClean="0"/>
+              <a:rPr lang="ko-KR" altLang="en-US"/>
               <a:t>마스터 텍스트 스타일을 편집합니다</a:t>
             </a:r>
           </a:p>
           <a:p>
             <a:pPr lvl="1"/>
             <a:r>
-              <a:rPr lang="ko-KR" altLang="en-US" smtClean="0"/>
+              <a:rPr lang="ko-KR" altLang="en-US"/>
               <a:t>둘째 수준</a:t>
             </a:r>
           </a:p>
           <a:p>
             <a:pPr lvl="2"/>
             <a:r>
-              <a:rPr lang="ko-KR" altLang="en-US" smtClean="0"/>
+              <a:rPr lang="ko-KR" altLang="en-US"/>
               <a:t>셋째 수준</a:t>
             </a:r>
           </a:p>
           <a:p>
             <a:pPr lvl="3"/>
             <a:r>
-              <a:rPr lang="ko-KR" altLang="en-US" smtClean="0"/>
+              <a:rPr lang="ko-KR" altLang="en-US"/>
               <a:t>넷째 수준</a:t>
             </a:r>
           </a:p>
           <a:p>
             <a:pPr lvl="4"/>
             <a:r>
-              <a:rPr lang="ko-KR" altLang="en-US" smtClean="0"/>
+              <a:rPr lang="ko-KR" altLang="en-US"/>
               <a:t>다섯째 수준</a:t>
             </a:r>
-            <a:endParaRPr lang="ko-KR" altLang="en-US"/>
           </a:p>
         </p:txBody>
       </p:sp>
@@ -1268,38 +1273,37 @@
           <a:p>
             <a:pPr lvl="0"/>
             <a:r>
-              <a:rPr lang="ko-KR" altLang="en-US" smtClean="0"/>
+              <a:rPr lang="ko-KR" altLang="en-US"/>
               <a:t>마스터 텍스트 스타일을 편집합니다</a:t>
             </a:r>
           </a:p>
           <a:p>
             <a:pPr lvl="1"/>
             <a:r>
-              <a:rPr lang="ko-KR" altLang="en-US" smtClean="0"/>
+              <a:rPr lang="ko-KR" altLang="en-US"/>
               <a:t>둘째 수준</a:t>
             </a:r>
           </a:p>
           <a:p>
             <a:pPr lvl="2"/>
             <a:r>
-              <a:rPr lang="ko-KR" altLang="en-US" smtClean="0"/>
+              <a:rPr lang="ko-KR" altLang="en-US"/>
               <a:t>셋째 수준</a:t>
             </a:r>
           </a:p>
           <a:p>
             <a:pPr lvl="3"/>
             <a:r>
-              <a:rPr lang="ko-KR" altLang="en-US" smtClean="0"/>
+              <a:rPr lang="ko-KR" altLang="en-US"/>
               <a:t>넷째 수준</a:t>
             </a:r>
           </a:p>
           <a:p>
             <a:pPr lvl="4"/>
             <a:r>
-              <a:rPr lang="ko-KR" altLang="en-US" smtClean="0"/>
+              <a:rPr lang="ko-KR" altLang="en-US"/>
               <a:t>다섯째 수준</a:t>
             </a:r>
-            <a:endParaRPr lang="ko-KR" altLang="en-US"/>
           </a:p>
         </p:txBody>
       </p:sp>
@@ -1413,10 +1417,9 @@
           </a:lstStyle>
           <a:p>
             <a:r>
-              <a:rPr lang="ko-KR" altLang="en-US" smtClean="0"/>
+              <a:rPr lang="ko-KR" altLang="en-US"/>
               <a:t>마스터 제목 스타일 편집</a:t>
             </a:r>
-            <a:endParaRPr lang="ko-KR" altLang="en-US"/>
           </a:p>
         </p:txBody>
       </p:sp>
@@ -1479,7 +1482,7 @@
           <a:p>
             <a:pPr lvl="0"/>
             <a:r>
-              <a:rPr lang="ko-KR" altLang="en-US" smtClean="0"/>
+              <a:rPr lang="ko-KR" altLang="en-US"/>
               <a:t>마스터 텍스트 스타일을 편집합니다</a:t>
             </a:r>
           </a:p>
@@ -1535,38 +1538,37 @@
           <a:p>
             <a:pPr lvl="0"/>
             <a:r>
-              <a:rPr lang="ko-KR" altLang="en-US" smtClean="0"/>
+              <a:rPr lang="ko-KR" altLang="en-US"/>
               <a:t>마스터 텍스트 스타일을 편집합니다</a:t>
             </a:r>
           </a:p>
           <a:p>
             <a:pPr lvl="1"/>
             <a:r>
-              <a:rPr lang="ko-KR" altLang="en-US" smtClean="0"/>
+              <a:rPr lang="ko-KR" altLang="en-US"/>
               <a:t>둘째 수준</a:t>
             </a:r>
           </a:p>
           <a:p>
             <a:pPr lvl="2"/>
             <a:r>
-              <a:rPr lang="ko-KR" altLang="en-US" smtClean="0"/>
+              <a:rPr lang="ko-KR" altLang="en-US"/>
               <a:t>셋째 수준</a:t>
             </a:r>
           </a:p>
           <a:p>
             <a:pPr lvl="3"/>
             <a:r>
-              <a:rPr lang="ko-KR" altLang="en-US" smtClean="0"/>
+              <a:rPr lang="ko-KR" altLang="en-US"/>
               <a:t>넷째 수준</a:t>
             </a:r>
           </a:p>
           <a:p>
             <a:pPr lvl="4"/>
             <a:r>
-              <a:rPr lang="ko-KR" altLang="en-US" smtClean="0"/>
+              <a:rPr lang="ko-KR" altLang="en-US"/>
               <a:t>다섯째 수준</a:t>
             </a:r>
-            <a:endParaRPr lang="ko-KR" altLang="en-US"/>
           </a:p>
         </p:txBody>
       </p:sp>
@@ -1629,7 +1631,7 @@
           <a:p>
             <a:pPr lvl="0"/>
             <a:r>
-              <a:rPr lang="ko-KR" altLang="en-US" smtClean="0"/>
+              <a:rPr lang="ko-KR" altLang="en-US"/>
               <a:t>마스터 텍스트 스타일을 편집합니다</a:t>
             </a:r>
           </a:p>
@@ -1685,38 +1687,37 @@
           <a:p>
             <a:pPr lvl="0"/>
             <a:r>
-              <a:rPr lang="ko-KR" altLang="en-US" smtClean="0"/>
+              <a:rPr lang="ko-KR" altLang="en-US"/>
               <a:t>마스터 텍스트 스타일을 편집합니다</a:t>
             </a:r>
           </a:p>
           <a:p>
             <a:pPr lvl="1"/>
             <a:r>
-              <a:rPr lang="ko-KR" altLang="en-US" smtClean="0"/>
+              <a:rPr lang="ko-KR" altLang="en-US"/>
               <a:t>둘째 수준</a:t>
             </a:r>
           </a:p>
           <a:p>
             <a:pPr lvl="2"/>
             <a:r>
-              <a:rPr lang="ko-KR" altLang="en-US" smtClean="0"/>
+              <a:rPr lang="ko-KR" altLang="en-US"/>
               <a:t>셋째 수준</a:t>
             </a:r>
           </a:p>
           <a:p>
             <a:pPr lvl="3"/>
             <a:r>
-              <a:rPr lang="ko-KR" altLang="en-US" smtClean="0"/>
+              <a:rPr lang="ko-KR" altLang="en-US"/>
               <a:t>넷째 수준</a:t>
             </a:r>
           </a:p>
           <a:p>
             <a:pPr lvl="4"/>
             <a:r>
-              <a:rPr lang="ko-KR" altLang="en-US" smtClean="0"/>
+              <a:rPr lang="ko-KR" altLang="en-US"/>
               <a:t>다섯째 수준</a:t>
             </a:r>
-            <a:endParaRPr lang="ko-KR" altLang="en-US"/>
           </a:p>
         </p:txBody>
       </p:sp>
@@ -1826,10 +1827,9 @@
           <a:lstStyle/>
           <a:p>
             <a:r>
-              <a:rPr lang="ko-KR" altLang="en-US" smtClean="0"/>
+              <a:rPr lang="ko-KR" altLang="en-US"/>
               <a:t>마스터 제목 스타일 편집</a:t>
             </a:r>
-            <a:endParaRPr lang="ko-KR" altLang="en-US"/>
           </a:p>
         </p:txBody>
       </p:sp>
@@ -2038,10 +2038,9 @@
           </a:lstStyle>
           <a:p>
             <a:r>
-              <a:rPr lang="ko-KR" altLang="en-US" smtClean="0"/>
+              <a:rPr lang="ko-KR" altLang="en-US"/>
               <a:t>마스터 제목 스타일 편집</a:t>
             </a:r>
-            <a:endParaRPr lang="ko-KR" altLang="en-US"/>
           </a:p>
         </p:txBody>
       </p:sp>
@@ -2095,38 +2094,37 @@
           <a:p>
             <a:pPr lvl="0"/>
             <a:r>
-              <a:rPr lang="ko-KR" altLang="en-US" smtClean="0"/>
+              <a:rPr lang="ko-KR" altLang="en-US"/>
               <a:t>마스터 텍스트 스타일을 편집합니다</a:t>
             </a:r>
           </a:p>
           <a:p>
             <a:pPr lvl="1"/>
             <a:r>
-              <a:rPr lang="ko-KR" altLang="en-US" smtClean="0"/>
+              <a:rPr lang="ko-KR" altLang="en-US"/>
               <a:t>둘째 수준</a:t>
             </a:r>
           </a:p>
           <a:p>
             <a:pPr lvl="2"/>
             <a:r>
-              <a:rPr lang="ko-KR" altLang="en-US" smtClean="0"/>
+              <a:rPr lang="ko-KR" altLang="en-US"/>
               <a:t>셋째 수준</a:t>
             </a:r>
           </a:p>
           <a:p>
             <a:pPr lvl="3"/>
             <a:r>
-              <a:rPr lang="ko-KR" altLang="en-US" smtClean="0"/>
+              <a:rPr lang="ko-KR" altLang="en-US"/>
               <a:t>넷째 수준</a:t>
             </a:r>
           </a:p>
           <a:p>
             <a:pPr lvl="4"/>
             <a:r>
-              <a:rPr lang="ko-KR" altLang="en-US" smtClean="0"/>
+              <a:rPr lang="ko-KR" altLang="en-US"/>
               <a:t>다섯째 수준</a:t>
             </a:r>
-            <a:endParaRPr lang="ko-KR" altLang="en-US"/>
           </a:p>
         </p:txBody>
       </p:sp>
@@ -2189,7 +2187,7 @@
           <a:p>
             <a:pPr lvl="0"/>
             <a:r>
-              <a:rPr lang="ko-KR" altLang="en-US" smtClean="0"/>
+              <a:rPr lang="ko-KR" altLang="en-US"/>
               <a:t>마스터 텍스트 스타일을 편집합니다</a:t>
             </a:r>
           </a:p>
@@ -2310,10 +2308,9 @@
           </a:lstStyle>
           <a:p>
             <a:r>
-              <a:rPr lang="ko-KR" altLang="en-US" smtClean="0"/>
+              <a:rPr lang="ko-KR" altLang="en-US"/>
               <a:t>마스터 제목 스타일 편집</a:t>
             </a:r>
-            <a:endParaRPr lang="ko-KR" altLang="en-US"/>
           </a:p>
         </p:txBody>
       </p:sp>
@@ -2437,7 +2434,7 @@
           <a:p>
             <a:pPr lvl="0"/>
             <a:r>
-              <a:rPr lang="ko-KR" altLang="en-US" smtClean="0"/>
+              <a:rPr lang="ko-KR" altLang="en-US"/>
               <a:t>마스터 텍스트 스타일을 편집합니다</a:t>
             </a:r>
           </a:p>
@@ -2564,10 +2561,9 @@
           <a:lstStyle/>
           <a:p>
             <a:r>
-              <a:rPr lang="ko-KR" altLang="en-US" smtClean="0"/>
+              <a:rPr lang="ko-KR" altLang="en-US"/>
               <a:t>마스터 제목 스타일 편집</a:t>
             </a:r>
-            <a:endParaRPr lang="ko-KR" altLang="en-US"/>
           </a:p>
         </p:txBody>
       </p:sp>
@@ -2598,38 +2594,37 @@
           <a:p>
             <a:pPr lvl="0"/>
             <a:r>
-              <a:rPr lang="ko-KR" altLang="en-US" smtClean="0"/>
+              <a:rPr lang="ko-KR" altLang="en-US"/>
               <a:t>마스터 텍스트 스타일을 편집합니다</a:t>
             </a:r>
           </a:p>
           <a:p>
             <a:pPr lvl="1"/>
             <a:r>
-              <a:rPr lang="ko-KR" altLang="en-US" smtClean="0"/>
+              <a:rPr lang="ko-KR" altLang="en-US"/>
               <a:t>둘째 수준</a:t>
             </a:r>
           </a:p>
           <a:p>
             <a:pPr lvl="2"/>
             <a:r>
-              <a:rPr lang="ko-KR" altLang="en-US" smtClean="0"/>
+              <a:rPr lang="ko-KR" altLang="en-US"/>
               <a:t>셋째 수준</a:t>
             </a:r>
           </a:p>
           <a:p>
             <a:pPr lvl="3"/>
             <a:r>
-              <a:rPr lang="ko-KR" altLang="en-US" smtClean="0"/>
+              <a:rPr lang="ko-KR" altLang="en-US"/>
               <a:t>넷째 수준</a:t>
             </a:r>
           </a:p>
           <a:p>
             <a:pPr lvl="4"/>
             <a:r>
-              <a:rPr lang="ko-KR" altLang="en-US" smtClean="0"/>
+              <a:rPr lang="ko-KR" altLang="en-US"/>
               <a:t>다섯째 수준</a:t>
             </a:r>
-            <a:endParaRPr lang="ko-KR" altLang="en-US"/>
           </a:p>
         </p:txBody>
       </p:sp>
@@ -3054,14 +3049,13 @@
           <a:lstStyle/>
           <a:p>
             <a:r>
-              <a:rPr lang="en-US" altLang="ko-KR" dirty="0" smtClean="0"/>
+              <a:rPr lang="en-US" altLang="ko-KR" dirty="0"/>
               <a:t>Project6 </a:t>
             </a:r>
             <a:r>
-              <a:rPr lang="ko-KR" altLang="en-US" dirty="0" smtClean="0"/>
+              <a:rPr lang="ko-KR" altLang="en-US" dirty="0"/>
               <a:t>기능정리</a:t>
             </a:r>
-            <a:endParaRPr lang="ko-KR" altLang="en-US" dirty="0"/>
           </a:p>
         </p:txBody>
       </p:sp>
@@ -3132,10 +3126,10 @@
           <a:lstStyle/>
           <a:p>
             <a:r>
-              <a:rPr lang="ko-KR" altLang="en-US" dirty="0" smtClean="0"/>
+              <a:rPr lang="ko-KR" altLang="en-US" dirty="0"/>
               <a:t>사용자</a:t>
             </a:r>
-            <a:endParaRPr lang="en-US" altLang="ko-KR" dirty="0" smtClean="0"/>
+            <a:endParaRPr lang="en-US" altLang="ko-KR" dirty="0"/>
           </a:p>
         </p:txBody>
       </p:sp>
@@ -3164,10 +3158,536 @@
             <a:endParaRPr lang="en-US" altLang="ko-KR" dirty="0"/>
           </a:p>
           <a:p>
-            <a:endParaRPr lang="en-US" altLang="ko-KR" dirty="0" smtClean="0"/>
+            <a:endParaRPr lang="en-US" altLang="ko-KR" dirty="0"/>
           </a:p>
           <a:p>
             <a:endParaRPr lang="ko-KR" altLang="en-US" dirty="0"/>
+          </a:p>
+        </p:txBody>
+      </p:sp>
+      <p:sp>
+        <p:nvSpPr>
+          <p:cNvPr id="2" name="TextBox 1">
+            <a:extLst>
+              <a:ext uri="{FF2B5EF4-FFF2-40B4-BE49-F238E27FC236}">
+                <a16:creationId xmlns:a16="http://schemas.microsoft.com/office/drawing/2014/main" id="{E02C4D4A-9160-499A-93A8-4302E1DE8389}"/>
+              </a:ext>
+            </a:extLst>
+          </p:cNvPr>
+          <p:cNvSpPr txBox="1"/>
+          <p:nvPr/>
+        </p:nvSpPr>
+        <p:spPr>
+          <a:xfrm>
+            <a:off x="428596" y="980728"/>
+            <a:ext cx="8175852" cy="5632311"/>
+          </a:xfrm>
+          <a:prstGeom prst="rect">
+            <a:avLst/>
+          </a:prstGeom>
+          <a:noFill/>
+        </p:spPr>
+        <p:txBody>
+          <a:bodyPr wrap="square" rtlCol="0">
+            <a:spAutoFit/>
+          </a:bodyPr>
+          <a:lstStyle/>
+          <a:p>
+            <a:r>
+              <a:rPr lang="ko-KR" altLang="en-US" dirty="0"/>
+              <a:t>회원가입</a:t>
+            </a:r>
+            <a:r>
+              <a:rPr lang="en-US" altLang="ko-KR" dirty="0"/>
+              <a:t>(</a:t>
+            </a:r>
+            <a:r>
+              <a:rPr lang="ko-KR" altLang="en-US" dirty="0"/>
+              <a:t>아이디</a:t>
+            </a:r>
+            <a:r>
+              <a:rPr lang="en-US" altLang="ko-KR" dirty="0"/>
+              <a:t>, </a:t>
+            </a:r>
+            <a:r>
+              <a:rPr lang="ko-KR" altLang="en-US" dirty="0"/>
+              <a:t>비밀번호</a:t>
+            </a:r>
+            <a:r>
+              <a:rPr lang="en-US" altLang="ko-KR" dirty="0"/>
+              <a:t>, </a:t>
+            </a:r>
+            <a:r>
+              <a:rPr lang="ko-KR" altLang="en-US" dirty="0"/>
+              <a:t>이름</a:t>
+            </a:r>
+            <a:r>
+              <a:rPr lang="en-US" altLang="ko-KR" dirty="0"/>
+              <a:t>, </a:t>
+            </a:r>
+            <a:r>
+              <a:rPr lang="ko-KR" altLang="en-US" dirty="0"/>
+              <a:t>주소</a:t>
+            </a:r>
+            <a:r>
+              <a:rPr lang="en-US" altLang="ko-KR" dirty="0"/>
+              <a:t>?), </a:t>
+            </a:r>
+            <a:r>
+              <a:rPr lang="ko-KR" altLang="en-US" dirty="0"/>
+              <a:t>로그인</a:t>
+            </a:r>
+            <a:endParaRPr lang="en-US" altLang="ko-KR" dirty="0"/>
+          </a:p>
+          <a:p>
+            <a:endParaRPr lang="en-US" altLang="ko-KR" dirty="0"/>
+          </a:p>
+          <a:p>
+            <a:r>
+              <a:rPr lang="ko-KR" altLang="en-US" dirty="0"/>
+              <a:t>프로젝트 오픈</a:t>
+            </a:r>
+            <a:r>
+              <a:rPr lang="en-US" altLang="ko-KR" dirty="0"/>
+              <a:t>(</a:t>
+            </a:r>
+            <a:r>
+              <a:rPr lang="ko-KR" altLang="en-US" dirty="0"/>
+              <a:t>메이커 등록</a:t>
+            </a:r>
+            <a:r>
+              <a:rPr lang="en-US" altLang="ko-KR" dirty="0"/>
+              <a:t>-&gt; </a:t>
+            </a:r>
+            <a:r>
+              <a:rPr lang="ko-KR" altLang="en-US" dirty="0"/>
+              <a:t>메이커스튜디오 오픈 </a:t>
+            </a:r>
+            <a:r>
+              <a:rPr lang="en-US" altLang="ko-KR" dirty="0"/>
+              <a:t>-&gt; </a:t>
+            </a:r>
+            <a:r>
+              <a:rPr lang="ko-KR" altLang="en-US" dirty="0"/>
+              <a:t>기본 정보를 입력</a:t>
+            </a:r>
+            <a:r>
+              <a:rPr lang="en-US" altLang="ko-KR" dirty="0"/>
+              <a:t>, *</a:t>
+            </a:r>
+            <a:r>
+              <a:rPr lang="ko-KR" altLang="en-US" dirty="0"/>
+              <a:t>기본정보</a:t>
+            </a:r>
+            <a:r>
+              <a:rPr lang="en-US" altLang="ko-KR" dirty="0"/>
+              <a:t>:</a:t>
+            </a:r>
+            <a:r>
+              <a:rPr lang="ko-KR" altLang="en-US" dirty="0"/>
+              <a:t>프로젝트 제목</a:t>
+            </a:r>
+            <a:r>
+              <a:rPr lang="en-US" altLang="ko-KR" dirty="0"/>
+              <a:t>, </a:t>
+            </a:r>
+            <a:r>
+              <a:rPr lang="ko-KR" altLang="en-US" dirty="0"/>
+              <a:t>목표 금액</a:t>
+            </a:r>
+            <a:r>
+              <a:rPr lang="en-US" altLang="ko-KR" dirty="0"/>
+              <a:t>, </a:t>
+            </a:r>
+            <a:r>
+              <a:rPr lang="ko-KR" altLang="en-US" dirty="0"/>
+              <a:t>대표 이미지</a:t>
+            </a:r>
+            <a:r>
+              <a:rPr lang="en-US" altLang="ko-KR" dirty="0"/>
+              <a:t>, </a:t>
+            </a:r>
+            <a:r>
+              <a:rPr lang="ko-KR" altLang="en-US" dirty="0"/>
+              <a:t>카테고리 선택</a:t>
+            </a:r>
+            <a:r>
+              <a:rPr lang="en-US" altLang="ko-KR" dirty="0"/>
+              <a:t>(</a:t>
+            </a:r>
+            <a:r>
+              <a:rPr lang="ko-KR" altLang="en-US" dirty="0" err="1"/>
+              <a:t>테크</a:t>
+            </a:r>
+            <a:r>
+              <a:rPr lang="en-US" altLang="ko-KR" dirty="0"/>
+              <a:t>-</a:t>
+            </a:r>
+            <a:r>
+              <a:rPr lang="ko-KR" altLang="en-US" dirty="0"/>
+              <a:t>가전</a:t>
+            </a:r>
+            <a:r>
+              <a:rPr lang="en-US" altLang="ko-KR" dirty="0"/>
+              <a:t>, </a:t>
+            </a:r>
+            <a:r>
+              <a:rPr lang="ko-KR" altLang="en-US" dirty="0"/>
+              <a:t>패션</a:t>
+            </a:r>
+            <a:r>
+              <a:rPr lang="en-US" altLang="ko-KR" dirty="0"/>
+              <a:t>-</a:t>
+            </a:r>
+            <a:r>
+              <a:rPr lang="ko-KR" altLang="en-US" dirty="0"/>
+              <a:t>잡화</a:t>
+            </a:r>
+            <a:r>
+              <a:rPr lang="en-US" altLang="ko-KR" dirty="0"/>
+              <a:t>, </a:t>
+            </a:r>
+            <a:r>
+              <a:rPr lang="ko-KR" altLang="en-US" dirty="0"/>
+              <a:t>뷰티</a:t>
+            </a:r>
+            <a:r>
+              <a:rPr lang="en-US" altLang="ko-KR" dirty="0"/>
+              <a:t>, </a:t>
+            </a:r>
+            <a:r>
+              <a:rPr lang="ko-KR" altLang="en-US" dirty="0" err="1"/>
+              <a:t>푸드</a:t>
+            </a:r>
+            <a:r>
+              <a:rPr lang="en-US" altLang="ko-KR" dirty="0"/>
+              <a:t>, </a:t>
+            </a:r>
+            <a:r>
+              <a:rPr lang="ko-KR" altLang="en-US" dirty="0" err="1"/>
+              <a:t>홈리빙</a:t>
+            </a:r>
+            <a:r>
+              <a:rPr lang="en-US" altLang="ko-KR" dirty="0"/>
+              <a:t>, </a:t>
+            </a:r>
+            <a:r>
+              <a:rPr lang="ko-KR" altLang="en-US" dirty="0"/>
+              <a:t>디자인소품</a:t>
+            </a:r>
+            <a:r>
+              <a:rPr lang="en-US" altLang="ko-KR" dirty="0"/>
+              <a:t>, </a:t>
+            </a:r>
+            <a:r>
+              <a:rPr lang="ko-KR" altLang="en-US" dirty="0"/>
+              <a:t>여행</a:t>
+            </a:r>
+            <a:r>
+              <a:rPr lang="en-US" altLang="ko-KR" dirty="0"/>
+              <a:t>-</a:t>
+            </a:r>
+            <a:r>
+              <a:rPr lang="ko-KR" altLang="en-US" dirty="0"/>
+              <a:t>레저</a:t>
+            </a:r>
+            <a:r>
+              <a:rPr lang="en-US" altLang="ko-KR" dirty="0"/>
+              <a:t>, </a:t>
+            </a:r>
+            <a:r>
+              <a:rPr lang="ko-KR" altLang="en-US" dirty="0"/>
+              <a:t>스포츠</a:t>
+            </a:r>
+            <a:r>
+              <a:rPr lang="en-US" altLang="ko-KR" dirty="0"/>
+              <a:t>-</a:t>
+            </a:r>
+            <a:r>
+              <a:rPr lang="ko-KR" altLang="en-US" dirty="0" err="1"/>
+              <a:t>모빌리티</a:t>
+            </a:r>
+            <a:r>
+              <a:rPr lang="en-US" altLang="ko-KR" dirty="0"/>
+              <a:t>, </a:t>
+            </a:r>
+            <a:r>
+              <a:rPr lang="ko-KR" altLang="en-US" dirty="0"/>
+              <a:t>반려동물</a:t>
+            </a:r>
+            <a:r>
+              <a:rPr lang="en-US" altLang="ko-KR" dirty="0"/>
+              <a:t>), </a:t>
+            </a:r>
+            <a:r>
+              <a:rPr lang="ko-KR" altLang="en-US" dirty="0"/>
+              <a:t>프로젝트 종료일 설정</a:t>
+            </a:r>
+            <a:r>
+              <a:rPr lang="en-US" altLang="ko-KR" dirty="0"/>
+              <a:t>,</a:t>
+            </a:r>
+          </a:p>
+          <a:p>
+            <a:endParaRPr lang="en-US" altLang="ko-KR" dirty="0"/>
+          </a:p>
+          <a:p>
+            <a:r>
+              <a:rPr lang="ko-KR" altLang="en-US" dirty="0"/>
+              <a:t>메이커 스튜디오에서 </a:t>
+            </a:r>
+            <a:r>
+              <a:rPr lang="ko-KR" altLang="en-US" dirty="0" err="1"/>
+              <a:t>펀딩</a:t>
+            </a:r>
+            <a:r>
+              <a:rPr lang="ko-KR" altLang="en-US" dirty="0"/>
+              <a:t> 현황 조회가능</a:t>
+            </a:r>
+            <a:endParaRPr lang="en-US" altLang="ko-KR" dirty="0"/>
+          </a:p>
+          <a:p>
+            <a:endParaRPr lang="en-US" altLang="ko-KR" dirty="0"/>
+          </a:p>
+          <a:p>
+            <a:endParaRPr lang="en-US" altLang="ko-KR" dirty="0"/>
+          </a:p>
+          <a:p>
+            <a:r>
+              <a:rPr lang="ko-KR" altLang="en-US" dirty="0"/>
+              <a:t>소개정보 작성</a:t>
+            </a:r>
+            <a:r>
+              <a:rPr lang="en-US" altLang="ko-KR" dirty="0"/>
+              <a:t>-</a:t>
+            </a:r>
+            <a:r>
+              <a:rPr lang="ko-KR" altLang="en-US" dirty="0"/>
+              <a:t>소개 사진 등록</a:t>
+            </a:r>
+            <a:r>
+              <a:rPr lang="en-US" altLang="ko-KR" dirty="0"/>
+              <a:t>(</a:t>
+            </a:r>
+            <a:r>
+              <a:rPr lang="ko-KR" altLang="en-US" dirty="0"/>
+              <a:t>여러 장 가능</a:t>
+            </a:r>
+            <a:r>
+              <a:rPr lang="en-US" altLang="ko-KR" dirty="0"/>
+              <a:t>), </a:t>
+            </a:r>
+            <a:r>
+              <a:rPr lang="ko-KR" altLang="en-US" dirty="0"/>
+              <a:t>프로젝트 요약</a:t>
+            </a:r>
+            <a:r>
+              <a:rPr lang="en-US" altLang="ko-KR" dirty="0"/>
+              <a:t>(100</a:t>
+            </a:r>
+            <a:r>
+              <a:rPr lang="ko-KR" altLang="en-US" dirty="0"/>
+              <a:t>자 이내</a:t>
+            </a:r>
+            <a:r>
+              <a:rPr lang="en-US" altLang="ko-KR" dirty="0"/>
+              <a:t>)</a:t>
+            </a:r>
+          </a:p>
+          <a:p>
+            <a:r>
+              <a:rPr lang="ko-KR" altLang="en-US" dirty="0"/>
+              <a:t>프로젝트 스토리 작성</a:t>
+            </a:r>
+            <a:endParaRPr lang="en-US" altLang="ko-KR" dirty="0"/>
+          </a:p>
+          <a:p>
+            <a:endParaRPr lang="en-US" altLang="ko-KR" dirty="0"/>
+          </a:p>
+          <a:p>
+            <a:r>
+              <a:rPr lang="ko-KR" altLang="en-US" dirty="0"/>
+              <a:t>리워드 설계 </a:t>
+            </a:r>
+            <a:r>
+              <a:rPr lang="en-US" altLang="ko-KR" dirty="0"/>
+              <a:t>– </a:t>
+            </a:r>
+            <a:r>
+              <a:rPr lang="ko-KR" altLang="en-US" dirty="0"/>
+              <a:t>금액</a:t>
+            </a:r>
+            <a:r>
+              <a:rPr lang="en-US" altLang="ko-KR" dirty="0"/>
+              <a:t>, </a:t>
+            </a:r>
+            <a:r>
+              <a:rPr lang="ko-KR" altLang="en-US" dirty="0" err="1"/>
+              <a:t>리워드명</a:t>
+            </a:r>
+            <a:r>
+              <a:rPr lang="en-US" altLang="ko-KR" dirty="0"/>
+              <a:t>, </a:t>
+            </a:r>
+            <a:r>
+              <a:rPr lang="ko-KR" altLang="en-US" dirty="0"/>
+              <a:t>상세설명</a:t>
+            </a:r>
+            <a:r>
+              <a:rPr lang="en-US" altLang="ko-KR" dirty="0"/>
+              <a:t>, </a:t>
+            </a:r>
+            <a:r>
+              <a:rPr lang="ko-KR" altLang="en-US" dirty="0"/>
+              <a:t>배송여부 선택</a:t>
+            </a:r>
+            <a:r>
+              <a:rPr lang="en-US" altLang="ko-KR" dirty="0"/>
+              <a:t> – </a:t>
+            </a:r>
+            <a:r>
+              <a:rPr lang="ko-KR" altLang="en-US" dirty="0"/>
+              <a:t>등록</a:t>
+            </a:r>
+            <a:endParaRPr lang="en-US" altLang="ko-KR" dirty="0"/>
+          </a:p>
+          <a:p>
+            <a:endParaRPr lang="en-US" altLang="ko-KR" dirty="0"/>
+          </a:p>
+          <a:p>
+            <a:r>
+              <a:rPr lang="ko-KR" altLang="en-US" dirty="0"/>
+              <a:t>프로젝트 제출</a:t>
+            </a:r>
+            <a:endParaRPr lang="en-US" altLang="ko-KR" dirty="0"/>
+          </a:p>
+          <a:p>
+            <a:endParaRPr lang="en-US" altLang="ko-KR" dirty="0"/>
+          </a:p>
+          <a:p>
+            <a:r>
+              <a:rPr lang="en-US" altLang="ko-KR" dirty="0"/>
+              <a:t>Nav</a:t>
+            </a:r>
+            <a:r>
+              <a:rPr lang="ko-KR" altLang="en-US" dirty="0"/>
+              <a:t>메뉴 </a:t>
+            </a:r>
+            <a:r>
+              <a:rPr lang="en-US" altLang="ko-KR" dirty="0"/>
+              <a:t>– </a:t>
+            </a:r>
+            <a:r>
+              <a:rPr lang="ko-KR" altLang="en-US" dirty="0" err="1"/>
+              <a:t>펀딩하기</a:t>
+            </a:r>
+            <a:r>
+              <a:rPr lang="ko-KR" altLang="en-US" dirty="0"/>
+              <a:t> 클릭 시 카테고리별 상품들 로딩 </a:t>
+            </a:r>
+            <a:r>
+              <a:rPr lang="en-US" altLang="ko-KR" dirty="0"/>
+              <a:t>–</a:t>
+            </a:r>
+            <a:r>
+              <a:rPr lang="ko-KR" altLang="en-US" dirty="0" err="1"/>
+              <a:t>펀딩하기</a:t>
+            </a:r>
+            <a:r>
+              <a:rPr lang="ko-KR" altLang="en-US" dirty="0"/>
+              <a:t> 클릭 시</a:t>
+            </a:r>
+            <a:r>
+              <a:rPr lang="en-US" altLang="ko-KR" dirty="0"/>
+              <a:t>,</a:t>
+            </a:r>
+          </a:p>
+          <a:p>
+            <a:r>
+              <a:rPr lang="en-US" altLang="ko-KR" dirty="0"/>
+              <a:t>(</a:t>
+            </a:r>
+            <a:r>
+              <a:rPr lang="ko-KR" altLang="en-US" dirty="0"/>
+              <a:t>리워드 선택</a:t>
+            </a:r>
+            <a:r>
+              <a:rPr lang="en-US" altLang="ko-KR" dirty="0"/>
+              <a:t>)</a:t>
+            </a:r>
+            <a:r>
+              <a:rPr lang="ko-KR" altLang="en-US" dirty="0"/>
+              <a:t>옵션 선택</a:t>
+            </a:r>
+            <a:r>
+              <a:rPr lang="en-US" altLang="ko-KR" dirty="0"/>
+              <a:t>, </a:t>
+            </a:r>
+            <a:r>
+              <a:rPr lang="ko-KR" altLang="en-US" dirty="0"/>
+              <a:t>옵션선택 후 다음 단계</a:t>
+            </a:r>
+            <a:r>
+              <a:rPr lang="en-US" altLang="ko-KR" dirty="0"/>
+              <a:t>, (</a:t>
+            </a:r>
+            <a:r>
+              <a:rPr lang="ko-KR" altLang="en-US" dirty="0"/>
+              <a:t>결제예약</a:t>
+            </a:r>
+            <a:r>
+              <a:rPr lang="en-US" altLang="ko-KR" dirty="0"/>
+              <a:t>)</a:t>
+            </a:r>
+            <a:r>
+              <a:rPr lang="ko-KR" altLang="en-US" dirty="0" err="1"/>
+              <a:t>배송지입력</a:t>
+            </a:r>
+            <a:r>
+              <a:rPr lang="ko-KR" altLang="en-US" dirty="0"/>
+              <a:t> 후 결제 정보 입력하고 결제예약</a:t>
+            </a:r>
+            <a:r>
+              <a:rPr lang="en-US" altLang="ko-KR" dirty="0"/>
+              <a:t>(</a:t>
+            </a:r>
+            <a:r>
+              <a:rPr lang="ko-KR" altLang="en-US" dirty="0"/>
+              <a:t>추후 결제됨</a:t>
+            </a:r>
+            <a:r>
+              <a:rPr lang="en-US" altLang="ko-KR" dirty="0"/>
+              <a:t>), </a:t>
+            </a:r>
+            <a:r>
+              <a:rPr lang="ko-KR" altLang="en-US" dirty="0"/>
+              <a:t>문의하기</a:t>
+            </a:r>
+            <a:r>
+              <a:rPr lang="en-US" altLang="ko-KR" dirty="0"/>
+              <a:t>(</a:t>
+            </a:r>
+            <a:r>
+              <a:rPr lang="ko-KR" altLang="en-US" dirty="0"/>
+              <a:t>채팅형식</a:t>
+            </a:r>
+            <a:r>
+              <a:rPr lang="en-US" altLang="ko-KR" dirty="0"/>
+              <a:t>), </a:t>
+            </a:r>
+            <a:r>
+              <a:rPr lang="ko-KR" altLang="en-US" dirty="0"/>
+              <a:t>응원</a:t>
+            </a:r>
+            <a:r>
+              <a:rPr lang="en-US" altLang="ko-KR" dirty="0"/>
+              <a:t>-</a:t>
+            </a:r>
+            <a:r>
+              <a:rPr lang="ko-KR" altLang="en-US" dirty="0"/>
+              <a:t>의견 남기기</a:t>
+            </a:r>
+            <a:endParaRPr lang="en-US" altLang="ko-KR" dirty="0"/>
           </a:p>
         </p:txBody>
       </p:sp>
@@ -3219,10 +3739,85 @@
           <a:lstStyle/>
           <a:p>
             <a:r>
-              <a:rPr lang="ko-KR" altLang="en-US" dirty="0" smtClean="0"/>
+              <a:rPr lang="ko-KR" altLang="en-US" dirty="0"/>
               <a:t>관리자</a:t>
             </a:r>
-            <a:endParaRPr lang="en-US" altLang="ko-KR" dirty="0" smtClean="0"/>
+            <a:endParaRPr lang="en-US" altLang="ko-KR" dirty="0"/>
+          </a:p>
+        </p:txBody>
+      </p:sp>
+      <p:sp>
+        <p:nvSpPr>
+          <p:cNvPr id="2" name="TextBox 1">
+            <a:extLst>
+              <a:ext uri="{FF2B5EF4-FFF2-40B4-BE49-F238E27FC236}">
+                <a16:creationId xmlns:a16="http://schemas.microsoft.com/office/drawing/2014/main" id="{8E05D283-34C3-4A07-99DB-0E39446A0624}"/>
+              </a:ext>
+            </a:extLst>
+          </p:cNvPr>
+          <p:cNvSpPr txBox="1"/>
+          <p:nvPr/>
+        </p:nvSpPr>
+        <p:spPr>
+          <a:xfrm>
+            <a:off x="285720" y="980728"/>
+            <a:ext cx="6158488" cy="646331"/>
+          </a:xfrm>
+          <a:prstGeom prst="rect">
+            <a:avLst/>
+          </a:prstGeom>
+          <a:noFill/>
+        </p:spPr>
+        <p:txBody>
+          <a:bodyPr wrap="square" rtlCol="0">
+            <a:spAutoFit/>
+          </a:bodyPr>
+          <a:lstStyle/>
+          <a:p>
+            <a:r>
+              <a:rPr lang="ko-KR" altLang="en-US" dirty="0"/>
+              <a:t>기본적인 회원 관리</a:t>
+            </a:r>
+            <a:r>
+              <a:rPr lang="en-US" altLang="ko-KR" dirty="0"/>
+              <a:t>, </a:t>
+            </a:r>
+            <a:r>
+              <a:rPr lang="ko-KR" altLang="en-US" dirty="0"/>
+              <a:t>프로젝트 승인</a:t>
+            </a:r>
+            <a:r>
+              <a:rPr lang="en-US" altLang="ko-KR" dirty="0"/>
+              <a:t>, </a:t>
+            </a:r>
+            <a:r>
+              <a:rPr lang="ko-KR" altLang="en-US" dirty="0"/>
+              <a:t>프로젝트 관리</a:t>
+            </a:r>
+            <a:r>
+              <a:rPr lang="en-US" altLang="ko-KR" dirty="0"/>
+              <a:t>, </a:t>
+            </a:r>
+            <a:r>
+              <a:rPr lang="ko-KR" altLang="en-US" dirty="0"/>
+              <a:t>공지사항</a:t>
+            </a:r>
+            <a:r>
+              <a:rPr lang="en-US" altLang="ko-KR" dirty="0"/>
+              <a:t>, </a:t>
+            </a:r>
+            <a:r>
+              <a:rPr lang="en-US" altLang="ko-KR" dirty="0" err="1"/>
+              <a:t>QnA</a:t>
+            </a:r>
+            <a:r>
+              <a:rPr lang="en-US" altLang="ko-KR" dirty="0"/>
+              <a:t> </a:t>
+            </a:r>
+            <a:r>
+              <a:rPr lang="ko-KR" altLang="en-US" dirty="0"/>
+              <a:t>답변</a:t>
+            </a:r>
           </a:p>
         </p:txBody>
       </p:sp>
@@ -3274,10 +3869,10 @@
           <a:lstStyle/>
           <a:p>
             <a:r>
-              <a:rPr lang="ko-KR" altLang="en-US" dirty="0" smtClean="0"/>
+              <a:rPr lang="ko-KR" altLang="en-US" dirty="0"/>
               <a:t>기타 추가하고 싶은 기능</a:t>
             </a:r>
-            <a:endParaRPr lang="en-US" altLang="ko-KR" dirty="0" smtClean="0"/>
+            <a:endParaRPr lang="en-US" altLang="ko-KR" dirty="0"/>
           </a:p>
         </p:txBody>
       </p:sp>
